--- a/week 8/Slides/08-2 EMAT10007_Matplotlib_ImportExport.pptx
+++ b/week 8/Slides/08-2 EMAT10007_Matplotlib_ImportExport.pptx
@@ -206,7 +206,7 @@
           <a:p>
             <a:fld id="{1AFC2406-82C6-CF4A-B27C-C2F326EF62C1}" type="datetimeFigureOut">
               <a:rPr lang="en-US" smtClean="0"/>
-              <a:t>9/16/20</a:t>
+              <a:t>11/13/20</a:t>
             </a:fld>
             <a:endParaRPr lang="en-US"/>
           </a:p>
@@ -801,7 +801,7 @@
           <a:p>
             <a:fld id="{54FF0283-3405-0C49-9DF2-C2137628C46D}" type="datetimeFigureOut">
               <a:rPr lang="en-US" smtClean="0"/>
-              <a:t>9/16/20</a:t>
+              <a:t>11/13/20</a:t>
             </a:fld>
             <a:endParaRPr lang="en-US"/>
           </a:p>
@@ -971,7 +971,7 @@
           <a:p>
             <a:fld id="{54FF0283-3405-0C49-9DF2-C2137628C46D}" type="datetimeFigureOut">
               <a:rPr lang="en-US" smtClean="0"/>
-              <a:t>9/16/20</a:t>
+              <a:t>11/13/20</a:t>
             </a:fld>
             <a:endParaRPr lang="en-US"/>
           </a:p>
@@ -1151,7 +1151,7 @@
           <a:p>
             <a:fld id="{54FF0283-3405-0C49-9DF2-C2137628C46D}" type="datetimeFigureOut">
               <a:rPr lang="en-US" smtClean="0"/>
-              <a:t>9/16/20</a:t>
+              <a:t>11/13/20</a:t>
             </a:fld>
             <a:endParaRPr lang="en-US"/>
           </a:p>
@@ -1321,7 +1321,7 @@
           <a:p>
             <a:fld id="{54FF0283-3405-0C49-9DF2-C2137628C46D}" type="datetimeFigureOut">
               <a:rPr lang="en-US" smtClean="0"/>
-              <a:t>9/16/20</a:t>
+              <a:t>11/13/20</a:t>
             </a:fld>
             <a:endParaRPr lang="en-US"/>
           </a:p>
@@ -1567,7 +1567,7 @@
           <a:p>
             <a:fld id="{54FF0283-3405-0C49-9DF2-C2137628C46D}" type="datetimeFigureOut">
               <a:rPr lang="en-US" smtClean="0"/>
-              <a:t>9/16/20</a:t>
+              <a:t>11/13/20</a:t>
             </a:fld>
             <a:endParaRPr lang="en-US"/>
           </a:p>
@@ -1799,7 +1799,7 @@
           <a:p>
             <a:fld id="{54FF0283-3405-0C49-9DF2-C2137628C46D}" type="datetimeFigureOut">
               <a:rPr lang="en-US" smtClean="0"/>
-              <a:t>9/16/20</a:t>
+              <a:t>11/13/20</a:t>
             </a:fld>
             <a:endParaRPr lang="en-US"/>
           </a:p>
@@ -2166,7 +2166,7 @@
           <a:p>
             <a:fld id="{54FF0283-3405-0C49-9DF2-C2137628C46D}" type="datetimeFigureOut">
               <a:rPr lang="en-US" smtClean="0"/>
-              <a:t>9/16/20</a:t>
+              <a:t>11/13/20</a:t>
             </a:fld>
             <a:endParaRPr lang="en-US"/>
           </a:p>
@@ -2284,7 +2284,7 @@
           <a:p>
             <a:fld id="{54FF0283-3405-0C49-9DF2-C2137628C46D}" type="datetimeFigureOut">
               <a:rPr lang="en-US" smtClean="0"/>
-              <a:t>9/16/20</a:t>
+              <a:t>11/13/20</a:t>
             </a:fld>
             <a:endParaRPr lang="en-US"/>
           </a:p>
@@ -2379,7 +2379,7 @@
           <a:p>
             <a:fld id="{54FF0283-3405-0C49-9DF2-C2137628C46D}" type="datetimeFigureOut">
               <a:rPr lang="en-US" smtClean="0"/>
-              <a:t>9/16/20</a:t>
+              <a:t>11/13/20</a:t>
             </a:fld>
             <a:endParaRPr lang="en-US"/>
           </a:p>
@@ -2656,7 +2656,7 @@
           <a:p>
             <a:fld id="{54FF0283-3405-0C49-9DF2-C2137628C46D}" type="datetimeFigureOut">
               <a:rPr lang="en-US" smtClean="0"/>
-              <a:t>9/16/20</a:t>
+              <a:t>11/13/20</a:t>
             </a:fld>
             <a:endParaRPr lang="en-US"/>
           </a:p>
@@ -2909,7 +2909,7 @@
           <a:p>
             <a:fld id="{54FF0283-3405-0C49-9DF2-C2137628C46D}" type="datetimeFigureOut">
               <a:rPr lang="en-US" smtClean="0"/>
-              <a:t>9/16/20</a:t>
+              <a:t>11/13/20</a:t>
             </a:fld>
             <a:endParaRPr lang="en-US"/>
           </a:p>
@@ -3122,7 +3122,7 @@
           <a:p>
             <a:fld id="{54FF0283-3405-0C49-9DF2-C2137628C46D}" type="datetimeFigureOut">
               <a:rPr lang="en-US" smtClean="0"/>
-              <a:t>9/16/20</a:t>
+              <a:t>11/13/20</a:t>
             </a:fld>
             <a:endParaRPr lang="en-US"/>
           </a:p>
